--- a/Presentations/2024 07 11 - sample size figures.pptx
+++ b/Presentations/2024 07 11 - sample size figures.pptx
@@ -5,13 +5,15 @@
     <p:sldMasterId id="2147483648" r:id="rId1"/>
   </p:sldMasterIdLst>
   <p:notesMasterIdLst>
-    <p:notesMasterId r:id="rId6"/>
+    <p:notesMasterId r:id="rId8"/>
   </p:notesMasterIdLst>
   <p:sldIdLst>
     <p:sldId id="257" r:id="rId2"/>
     <p:sldId id="258" r:id="rId3"/>
     <p:sldId id="259" r:id="rId4"/>
     <p:sldId id="260" r:id="rId5"/>
+    <p:sldId id="261" r:id="rId6"/>
+    <p:sldId id="262" r:id="rId7"/>
   </p:sldIdLst>
   <p:sldSz cx="12192000" cy="6858000"/>
   <p:notesSz cx="6858000" cy="9144000"/>
@@ -110,6 +112,11 @@
       </a:defRPr>
     </a:lvl9pPr>
   </p:defaultTextStyle>
+  <p:extLst>
+    <p:ext uri="{EFAFB233-063F-42B5-8137-9DF3F51BA10A}">
+      <p15:sldGuideLst xmlns:p15="http://schemas.microsoft.com/office/powerpoint/2012/main"/>
+    </p:ext>
+  </p:extLst>
 </p:presentation>
 </file>
 
@@ -195,7 +202,7 @@
           <a:p>
             <a:fld id="{F135F0D6-A184-464D-863B-B6B174476EB4}" type="datetimeFigureOut">
               <a:rPr lang="en-US" smtClean="0"/>
-              <a:t>7/11/24</a:t>
+              <a:t>7/12/24</a:t>
             </a:fld>
             <a:endParaRPr lang="en-US"/>
           </a:p>
@@ -1067,7 +1074,7 @@
           <a:p>
             <a:fld id="{27D64F5F-76E9-B84A-A757-30379CE54447}" type="datetimeFigureOut">
               <a:rPr lang="en-US" smtClean="0"/>
-              <a:t>7/11/24</a:t>
+              <a:t>7/12/24</a:t>
             </a:fld>
             <a:endParaRPr lang="en-US"/>
           </a:p>
@@ -1265,7 +1272,7 @@
           <a:p>
             <a:fld id="{27D64F5F-76E9-B84A-A757-30379CE54447}" type="datetimeFigureOut">
               <a:rPr lang="en-US" smtClean="0"/>
-              <a:t>7/11/24</a:t>
+              <a:t>7/12/24</a:t>
             </a:fld>
             <a:endParaRPr lang="en-US"/>
           </a:p>
@@ -1473,7 +1480,7 @@
           <a:p>
             <a:fld id="{27D64F5F-76E9-B84A-A757-30379CE54447}" type="datetimeFigureOut">
               <a:rPr lang="en-US" smtClean="0"/>
-              <a:t>7/11/24</a:t>
+              <a:t>7/12/24</a:t>
             </a:fld>
             <a:endParaRPr lang="en-US"/>
           </a:p>
@@ -1671,7 +1678,7 @@
           <a:p>
             <a:fld id="{27D64F5F-76E9-B84A-A757-30379CE54447}" type="datetimeFigureOut">
               <a:rPr lang="en-US" smtClean="0"/>
-              <a:t>7/11/24</a:t>
+              <a:t>7/12/24</a:t>
             </a:fld>
             <a:endParaRPr lang="en-US"/>
           </a:p>
@@ -1946,7 +1953,7 @@
           <a:p>
             <a:fld id="{27D64F5F-76E9-B84A-A757-30379CE54447}" type="datetimeFigureOut">
               <a:rPr lang="en-US" smtClean="0"/>
-              <a:t>7/11/24</a:t>
+              <a:t>7/12/24</a:t>
             </a:fld>
             <a:endParaRPr lang="en-US"/>
           </a:p>
@@ -2211,7 +2218,7 @@
           <a:p>
             <a:fld id="{27D64F5F-76E9-B84A-A757-30379CE54447}" type="datetimeFigureOut">
               <a:rPr lang="en-US" smtClean="0"/>
-              <a:t>7/11/24</a:t>
+              <a:t>7/12/24</a:t>
             </a:fld>
             <a:endParaRPr lang="en-US"/>
           </a:p>
@@ -2623,7 +2630,7 @@
           <a:p>
             <a:fld id="{27D64F5F-76E9-B84A-A757-30379CE54447}" type="datetimeFigureOut">
               <a:rPr lang="en-US" smtClean="0"/>
-              <a:t>7/11/24</a:t>
+              <a:t>7/12/24</a:t>
             </a:fld>
             <a:endParaRPr lang="en-US"/>
           </a:p>
@@ -2764,7 +2771,7 @@
           <a:p>
             <a:fld id="{27D64F5F-76E9-B84A-A757-30379CE54447}" type="datetimeFigureOut">
               <a:rPr lang="en-US" smtClean="0"/>
-              <a:t>7/11/24</a:t>
+              <a:t>7/12/24</a:t>
             </a:fld>
             <a:endParaRPr lang="en-US"/>
           </a:p>
@@ -2877,7 +2884,7 @@
           <a:p>
             <a:fld id="{27D64F5F-76E9-B84A-A757-30379CE54447}" type="datetimeFigureOut">
               <a:rPr lang="en-US" smtClean="0"/>
-              <a:t>7/11/24</a:t>
+              <a:t>7/12/24</a:t>
             </a:fld>
             <a:endParaRPr lang="en-US"/>
           </a:p>
@@ -3188,7 +3195,7 @@
           <a:p>
             <a:fld id="{27D64F5F-76E9-B84A-A757-30379CE54447}" type="datetimeFigureOut">
               <a:rPr lang="en-US" smtClean="0"/>
-              <a:t>7/11/24</a:t>
+              <a:t>7/12/24</a:t>
             </a:fld>
             <a:endParaRPr lang="en-US"/>
           </a:p>
@@ -3476,7 +3483,7 @@
           <a:p>
             <a:fld id="{27D64F5F-76E9-B84A-A757-30379CE54447}" type="datetimeFigureOut">
               <a:rPr lang="en-US" smtClean="0"/>
-              <a:t>7/11/24</a:t>
+              <a:t>7/12/24</a:t>
             </a:fld>
             <a:endParaRPr lang="en-US"/>
           </a:p>
@@ -3717,7 +3724,7 @@
           <a:p>
             <a:fld id="{27D64F5F-76E9-B84A-A757-30379CE54447}" type="datetimeFigureOut">
               <a:rPr lang="en-US" smtClean="0"/>
-              <a:t>7/11/24</a:t>
+              <a:t>7/12/24</a:t>
             </a:fld>
             <a:endParaRPr lang="en-US"/>
           </a:p>
@@ -4489,6 +4496,247 @@
     <p:extLst>
       <p:ext uri="{BB962C8B-B14F-4D97-AF65-F5344CB8AC3E}">
         <p14:creationId xmlns:p14="http://schemas.microsoft.com/office/powerpoint/2010/main" val="422692784"/>
+      </p:ext>
+    </p:extLst>
+  </p:cSld>
+  <p:clrMapOvr>
+    <a:masterClrMapping/>
+  </p:clrMapOvr>
+</p:sld>
+</file>
+
+<file path=ppt/slides/slide5.xml><?xml version="1.0" encoding="utf-8"?>
+<p:sld xmlns:a="http://schemas.openxmlformats.org/drawingml/2006/main" xmlns:r="http://schemas.openxmlformats.org/officeDocument/2006/relationships" xmlns:p="http://schemas.openxmlformats.org/presentationml/2006/main">
+  <p:cSld>
+    <p:spTree>
+      <p:nvGrpSpPr>
+        <p:cNvPr id="1" name=""/>
+        <p:cNvGrpSpPr/>
+        <p:nvPr/>
+      </p:nvGrpSpPr>
+      <p:grpSpPr>
+        <a:xfrm>
+          <a:off x="0" y="0"/>
+          <a:ext cx="0" cy="0"/>
+          <a:chOff x="0" y="0"/>
+          <a:chExt cx="0" cy="0"/>
+        </a:xfrm>
+      </p:grpSpPr>
+      <p:sp>
+        <p:nvSpPr>
+          <p:cNvPr id="2" name="Title 1">
+            <a:extLst>
+              <a:ext uri="{FF2B5EF4-FFF2-40B4-BE49-F238E27FC236}">
+                <a16:creationId xmlns:a16="http://schemas.microsoft.com/office/drawing/2014/main" id="{AD807F7A-122F-B8E1-E435-C41F3F8D6B65}"/>
+              </a:ext>
+            </a:extLst>
+          </p:cNvPr>
+          <p:cNvSpPr>
+            <a:spLocks noGrp="1"/>
+          </p:cNvSpPr>
+          <p:nvPr>
+            <p:ph type="title"/>
+          </p:nvPr>
+        </p:nvSpPr>
+        <p:spPr/>
+        <p:txBody>
+          <a:bodyPr/>
+          <a:lstStyle/>
+          <a:p>
+            <a:r>
+              <a:rPr lang="en-US" dirty="0"/>
+              <a:t>Plant color</a:t>
+            </a:r>
+          </a:p>
+        </p:txBody>
+      </p:sp>
+      <p:pic>
+        <p:nvPicPr>
+          <p:cNvPr id="4" name="Picture 3" descr="A diagram of different colored squares&#10;&#10;Description automatically generated with medium confidence">
+            <a:extLst>
+              <a:ext uri="{FF2B5EF4-FFF2-40B4-BE49-F238E27FC236}">
+                <a16:creationId xmlns:a16="http://schemas.microsoft.com/office/drawing/2014/main" id="{B6390479-F307-BC95-80C4-643E2624AA38}"/>
+              </a:ext>
+            </a:extLst>
+          </p:cNvPr>
+          <p:cNvPicPr>
+            <a:picLocks noChangeAspect="1"/>
+          </p:cNvPicPr>
+          <p:nvPr/>
+        </p:nvPicPr>
+        <p:blipFill>
+          <a:blip r:embed="rId2"/>
+          <a:stretch>
+            <a:fillRect/>
+          </a:stretch>
+        </p:blipFill>
+        <p:spPr>
+          <a:xfrm>
+            <a:off x="265906" y="1828800"/>
+            <a:ext cx="5830094" cy="4664075"/>
+          </a:xfrm>
+          <a:prstGeom prst="rect">
+            <a:avLst/>
+          </a:prstGeom>
+        </p:spPr>
+      </p:pic>
+      <p:pic>
+        <p:nvPicPr>
+          <p:cNvPr id="6" name="Picture 5" descr="A graph of different colored squares&#10;&#10;Description automatically generated with medium confidence">
+            <a:extLst>
+              <a:ext uri="{FF2B5EF4-FFF2-40B4-BE49-F238E27FC236}">
+                <a16:creationId xmlns:a16="http://schemas.microsoft.com/office/drawing/2014/main" id="{1E1397D5-3E5B-2359-F6F7-25C669DBD87F}"/>
+              </a:ext>
+            </a:extLst>
+          </p:cNvPr>
+          <p:cNvPicPr>
+            <a:picLocks noChangeAspect="1"/>
+          </p:cNvPicPr>
+          <p:nvPr/>
+        </p:nvPicPr>
+        <p:blipFill>
+          <a:blip r:embed="rId3"/>
+          <a:stretch>
+            <a:fillRect/>
+          </a:stretch>
+        </p:blipFill>
+        <p:spPr>
+          <a:xfrm>
+            <a:off x="6249194" y="1738629"/>
+            <a:ext cx="5942806" cy="4754245"/>
+          </a:xfrm>
+          <a:prstGeom prst="rect">
+            <a:avLst/>
+          </a:prstGeom>
+        </p:spPr>
+      </p:pic>
+    </p:spTree>
+    <p:extLst>
+      <p:ext uri="{BB962C8B-B14F-4D97-AF65-F5344CB8AC3E}">
+        <p14:creationId xmlns:p14="http://schemas.microsoft.com/office/powerpoint/2010/main" val="543505501"/>
+      </p:ext>
+    </p:extLst>
+  </p:cSld>
+  <p:clrMapOvr>
+    <a:masterClrMapping/>
+  </p:clrMapOvr>
+</p:sld>
+</file>
+
+<file path=ppt/slides/slide6.xml><?xml version="1.0" encoding="utf-8"?>
+<p:sld xmlns:a="http://schemas.openxmlformats.org/drawingml/2006/main" xmlns:r="http://schemas.openxmlformats.org/officeDocument/2006/relationships" xmlns:p="http://schemas.openxmlformats.org/presentationml/2006/main">
+  <p:cSld>
+    <p:spTree>
+      <p:nvGrpSpPr>
+        <p:cNvPr id="1" name=""/>
+        <p:cNvGrpSpPr/>
+        <p:nvPr/>
+      </p:nvGrpSpPr>
+      <p:grpSpPr>
+        <a:xfrm>
+          <a:off x="0" y="0"/>
+          <a:ext cx="0" cy="0"/>
+          <a:chOff x="0" y="0"/>
+          <a:chExt cx="0" cy="0"/>
+        </a:xfrm>
+      </p:grpSpPr>
+      <p:sp>
+        <p:nvSpPr>
+          <p:cNvPr id="2" name="Title 1">
+            <a:extLst>
+              <a:ext uri="{FF2B5EF4-FFF2-40B4-BE49-F238E27FC236}">
+                <a16:creationId xmlns:a16="http://schemas.microsoft.com/office/drawing/2014/main" id="{AD807F7A-122F-B8E1-E435-C41F3F8D6B65}"/>
+              </a:ext>
+            </a:extLst>
+          </p:cNvPr>
+          <p:cNvSpPr>
+            <a:spLocks noGrp="1"/>
+          </p:cNvSpPr>
+          <p:nvPr>
+            <p:ph type="title"/>
+          </p:nvPr>
+        </p:nvSpPr>
+        <p:spPr/>
+        <p:txBody>
+          <a:bodyPr/>
+          <a:lstStyle/>
+          <a:p>
+            <a:r>
+              <a:rPr lang="en-US" dirty="0"/>
+              <a:t>Bee </a:t>
+            </a:r>
+            <a:r>
+              <a:rPr lang="en-US" dirty="0" err="1"/>
+              <a:t>strippiness</a:t>
+            </a:r>
+            <a:endParaRPr lang="en-US" dirty="0"/>
+          </a:p>
+        </p:txBody>
+      </p:sp>
+      <p:pic>
+        <p:nvPicPr>
+          <p:cNvPr id="8" name="Picture 7" descr="A graph with black dots and lines&#10;&#10;Description automatically generated">
+            <a:extLst>
+              <a:ext uri="{FF2B5EF4-FFF2-40B4-BE49-F238E27FC236}">
+                <a16:creationId xmlns:a16="http://schemas.microsoft.com/office/drawing/2014/main" id="{DC200C70-06F6-0D74-E4F4-EA493CD6D665}"/>
+              </a:ext>
+            </a:extLst>
+          </p:cNvPr>
+          <p:cNvPicPr>
+            <a:picLocks noChangeAspect="1"/>
+          </p:cNvPicPr>
+          <p:nvPr/>
+        </p:nvPicPr>
+        <p:blipFill>
+          <a:blip r:embed="rId2"/>
+          <a:stretch>
+            <a:fillRect/>
+          </a:stretch>
+        </p:blipFill>
+        <p:spPr>
+          <a:xfrm>
+            <a:off x="6096000" y="1981200"/>
+            <a:ext cx="6096000" cy="4876800"/>
+          </a:xfrm>
+          <a:prstGeom prst="rect">
+            <a:avLst/>
+          </a:prstGeom>
+        </p:spPr>
+      </p:pic>
+      <p:pic>
+        <p:nvPicPr>
+          <p:cNvPr id="10" name="Picture 9" descr="A graph with lines and dots&#10;&#10;Description automatically generated">
+            <a:extLst>
+              <a:ext uri="{FF2B5EF4-FFF2-40B4-BE49-F238E27FC236}">
+                <a16:creationId xmlns:a16="http://schemas.microsoft.com/office/drawing/2014/main" id="{B9047190-CD6A-3F43-D4D7-563C5DB4954F}"/>
+              </a:ext>
+            </a:extLst>
+          </p:cNvPr>
+          <p:cNvPicPr>
+            <a:picLocks noChangeAspect="1"/>
+          </p:cNvPicPr>
+          <p:nvPr/>
+        </p:nvPicPr>
+        <p:blipFill>
+          <a:blip r:embed="rId3"/>
+          <a:stretch>
+            <a:fillRect/>
+          </a:stretch>
+        </p:blipFill>
+        <p:spPr>
+          <a:xfrm>
+            <a:off x="326756" y="2068109"/>
+            <a:ext cx="5530958" cy="4424767"/>
+          </a:xfrm>
+          <a:prstGeom prst="rect">
+            <a:avLst/>
+          </a:prstGeom>
+        </p:spPr>
+      </p:pic>
+    </p:spTree>
+    <p:extLst>
+      <p:ext uri="{BB962C8B-B14F-4D97-AF65-F5344CB8AC3E}">
+        <p14:creationId xmlns:p14="http://schemas.microsoft.com/office/powerpoint/2010/main" val="1348182772"/>
       </p:ext>
     </p:extLst>
   </p:cSld>
